--- a/ppt 16-9/0351.劝.pptx
+++ b/ppt 16-9/0351.劝.pptx
@@ -129,7 +129,7 @@
           <p:cNvPr id="2" name="标题 1">
             <a:extLst>
               <a:ext uri="{FF2B5EF4-FFF2-40B4-BE49-F238E27FC236}">
-                <a16:creationId xmlns:a16="http://schemas.microsoft.com/office/drawing/2014/main" id="{65D80A9F-F62C-4DFB-3461-C0992D7812CE}"/>
+                <a16:creationId xmlns:a16="http://schemas.microsoft.com/office/drawing/2014/main" id="{57D53FF4-164F-9144-FA5D-CDC5F9FA2D77}"/>
               </a:ext>
             </a:extLst>
           </p:cNvPr>
@@ -166,7 +166,7 @@
           <p:cNvPr id="3" name="副标题 2">
             <a:extLst>
               <a:ext uri="{FF2B5EF4-FFF2-40B4-BE49-F238E27FC236}">
-                <a16:creationId xmlns:a16="http://schemas.microsoft.com/office/drawing/2014/main" id="{35984D09-7532-B127-5952-A71157873121}"/>
+                <a16:creationId xmlns:a16="http://schemas.microsoft.com/office/drawing/2014/main" id="{3F2DB455-A20E-C3C2-FA94-9F0CE24E7CC4}"/>
               </a:ext>
             </a:extLst>
           </p:cNvPr>
@@ -236,7 +236,7 @@
           <p:cNvPr id="4" name="日期占位符 3">
             <a:extLst>
               <a:ext uri="{FF2B5EF4-FFF2-40B4-BE49-F238E27FC236}">
-                <a16:creationId xmlns:a16="http://schemas.microsoft.com/office/drawing/2014/main" id="{A729DA1B-9756-5E49-FBBD-01E6320A8406}"/>
+                <a16:creationId xmlns:a16="http://schemas.microsoft.com/office/drawing/2014/main" id="{D6445B5E-E4FC-0268-483F-996AE432201E}"/>
               </a:ext>
             </a:extLst>
           </p:cNvPr>
@@ -252,7 +252,7 @@
           <a:bodyPr/>
           <a:lstStyle/>
           <a:p>
-            <a:fld id="{4697ABCD-9A9E-4405-8583-911D83F02FDA}" type="datetimeFigureOut">
+            <a:fld id="{D0E1C6C9-4B62-4C09-8E9C-0D66AAB17EC3}" type="datetimeFigureOut">
               <a:rPr lang="zh-CN" altLang="en-US" smtClean="0"/>
               <a:t>2024/3/10</a:t>
             </a:fld>
@@ -265,7 +265,7 @@
           <p:cNvPr id="5" name="页脚占位符 4">
             <a:extLst>
               <a:ext uri="{FF2B5EF4-FFF2-40B4-BE49-F238E27FC236}">
-                <a16:creationId xmlns:a16="http://schemas.microsoft.com/office/drawing/2014/main" id="{33CAD8B6-7AA8-AC01-0EA8-B574AAD7071A}"/>
+                <a16:creationId xmlns:a16="http://schemas.microsoft.com/office/drawing/2014/main" id="{5AAD3709-06D5-035E-78F4-1E2568E15CBB}"/>
               </a:ext>
             </a:extLst>
           </p:cNvPr>
@@ -290,7 +290,7 @@
           <p:cNvPr id="6" name="灯片编号占位符 5">
             <a:extLst>
               <a:ext uri="{FF2B5EF4-FFF2-40B4-BE49-F238E27FC236}">
-                <a16:creationId xmlns:a16="http://schemas.microsoft.com/office/drawing/2014/main" id="{D808E948-4D50-6D6C-FD4B-5B6B48C3E863}"/>
+                <a16:creationId xmlns:a16="http://schemas.microsoft.com/office/drawing/2014/main" id="{A345FB34-2491-84C1-3CEC-CF32F68F67CC}"/>
               </a:ext>
             </a:extLst>
           </p:cNvPr>
@@ -306,7 +306,7 @@
           <a:bodyPr/>
           <a:lstStyle/>
           <a:p>
-            <a:fld id="{C9D0DE11-9D85-486D-95B6-1DC05A4B2451}" type="slidenum">
+            <a:fld id="{3880B230-2E0D-451E-896F-7DDFEC7692EE}" type="slidenum">
               <a:rPr lang="zh-CN" altLang="en-US" smtClean="0"/>
               <a:t>‹#›</a:t>
             </a:fld>
@@ -317,7 +317,7 @@
     </p:spTree>
     <p:extLst>
       <p:ext uri="{BB962C8B-B14F-4D97-AF65-F5344CB8AC3E}">
-        <p14:creationId xmlns:p14="http://schemas.microsoft.com/office/powerpoint/2010/main" val="1284304514"/>
+        <p14:creationId xmlns:p14="http://schemas.microsoft.com/office/powerpoint/2010/main" val="1923669427"/>
       </p:ext>
     </p:extLst>
   </p:cSld>
@@ -349,7 +349,7 @@
           <p:cNvPr id="2" name="标题 1">
             <a:extLst>
               <a:ext uri="{FF2B5EF4-FFF2-40B4-BE49-F238E27FC236}">
-                <a16:creationId xmlns:a16="http://schemas.microsoft.com/office/drawing/2014/main" id="{FDBEC96B-4A0D-2BCC-B49A-391A430ACA72}"/>
+                <a16:creationId xmlns:a16="http://schemas.microsoft.com/office/drawing/2014/main" id="{F96DFE66-9DC3-9E62-9911-841A498B837C}"/>
               </a:ext>
             </a:extLst>
           </p:cNvPr>
@@ -377,7 +377,7 @@
           <p:cNvPr id="3" name="竖排文字占位符 2">
             <a:extLst>
               <a:ext uri="{FF2B5EF4-FFF2-40B4-BE49-F238E27FC236}">
-                <a16:creationId xmlns:a16="http://schemas.microsoft.com/office/drawing/2014/main" id="{7D6C4A22-8CE1-3931-1629-C6F36CCD58B3}"/>
+                <a16:creationId xmlns:a16="http://schemas.microsoft.com/office/drawing/2014/main" id="{05443908-78C1-1E9B-4B2F-9C44132A6673}"/>
               </a:ext>
             </a:extLst>
           </p:cNvPr>
@@ -434,7 +434,7 @@
           <p:cNvPr id="4" name="日期占位符 3">
             <a:extLst>
               <a:ext uri="{FF2B5EF4-FFF2-40B4-BE49-F238E27FC236}">
-                <a16:creationId xmlns:a16="http://schemas.microsoft.com/office/drawing/2014/main" id="{0066F97E-D65F-F7BF-BBE2-B4C0D42BD4A0}"/>
+                <a16:creationId xmlns:a16="http://schemas.microsoft.com/office/drawing/2014/main" id="{CADA7CC9-F9D2-43F7-1F63-AC651EED1D26}"/>
               </a:ext>
             </a:extLst>
           </p:cNvPr>
@@ -450,7 +450,7 @@
           <a:bodyPr/>
           <a:lstStyle/>
           <a:p>
-            <a:fld id="{4697ABCD-9A9E-4405-8583-911D83F02FDA}" type="datetimeFigureOut">
+            <a:fld id="{D0E1C6C9-4B62-4C09-8E9C-0D66AAB17EC3}" type="datetimeFigureOut">
               <a:rPr lang="zh-CN" altLang="en-US" smtClean="0"/>
               <a:t>2024/3/10</a:t>
             </a:fld>
@@ -463,7 +463,7 @@
           <p:cNvPr id="5" name="页脚占位符 4">
             <a:extLst>
               <a:ext uri="{FF2B5EF4-FFF2-40B4-BE49-F238E27FC236}">
-                <a16:creationId xmlns:a16="http://schemas.microsoft.com/office/drawing/2014/main" id="{F7913FF0-BEAA-6985-E8E5-8382D36130CA}"/>
+                <a16:creationId xmlns:a16="http://schemas.microsoft.com/office/drawing/2014/main" id="{7C8E3735-E352-4527-2EC6-60B69EDA5F74}"/>
               </a:ext>
             </a:extLst>
           </p:cNvPr>
@@ -488,7 +488,7 @@
           <p:cNvPr id="6" name="灯片编号占位符 5">
             <a:extLst>
               <a:ext uri="{FF2B5EF4-FFF2-40B4-BE49-F238E27FC236}">
-                <a16:creationId xmlns:a16="http://schemas.microsoft.com/office/drawing/2014/main" id="{180FC331-1734-B948-0EC8-B9C17BAA2493}"/>
+                <a16:creationId xmlns:a16="http://schemas.microsoft.com/office/drawing/2014/main" id="{5E215B28-308F-A692-F9F7-5661859FA5C1}"/>
               </a:ext>
             </a:extLst>
           </p:cNvPr>
@@ -504,7 +504,7 @@
           <a:bodyPr/>
           <a:lstStyle/>
           <a:p>
-            <a:fld id="{C9D0DE11-9D85-486D-95B6-1DC05A4B2451}" type="slidenum">
+            <a:fld id="{3880B230-2E0D-451E-896F-7DDFEC7692EE}" type="slidenum">
               <a:rPr lang="zh-CN" altLang="en-US" smtClean="0"/>
               <a:t>‹#›</a:t>
             </a:fld>
@@ -515,7 +515,7 @@
     </p:spTree>
     <p:extLst>
       <p:ext uri="{BB962C8B-B14F-4D97-AF65-F5344CB8AC3E}">
-        <p14:creationId xmlns:p14="http://schemas.microsoft.com/office/powerpoint/2010/main" val="2593172317"/>
+        <p14:creationId xmlns:p14="http://schemas.microsoft.com/office/powerpoint/2010/main" val="2407290974"/>
       </p:ext>
     </p:extLst>
   </p:cSld>
@@ -547,7 +547,7 @@
           <p:cNvPr id="2" name="竖排标题 1">
             <a:extLst>
               <a:ext uri="{FF2B5EF4-FFF2-40B4-BE49-F238E27FC236}">
-                <a16:creationId xmlns:a16="http://schemas.microsoft.com/office/drawing/2014/main" id="{CA5FF89A-AD1B-C926-5837-3BD77D846829}"/>
+                <a16:creationId xmlns:a16="http://schemas.microsoft.com/office/drawing/2014/main" id="{3354B09B-E61E-357D-C797-8A3E7CE8A30E}"/>
               </a:ext>
             </a:extLst>
           </p:cNvPr>
@@ -580,7 +580,7 @@
           <p:cNvPr id="3" name="竖排文字占位符 2">
             <a:extLst>
               <a:ext uri="{FF2B5EF4-FFF2-40B4-BE49-F238E27FC236}">
-                <a16:creationId xmlns:a16="http://schemas.microsoft.com/office/drawing/2014/main" id="{DEE0CBDF-E797-0549-23A6-5F6A7C4883FA}"/>
+                <a16:creationId xmlns:a16="http://schemas.microsoft.com/office/drawing/2014/main" id="{62F9A214-31F4-4A55-1DD8-8C5F08DA6963}"/>
               </a:ext>
             </a:extLst>
           </p:cNvPr>
@@ -642,7 +642,7 @@
           <p:cNvPr id="4" name="日期占位符 3">
             <a:extLst>
               <a:ext uri="{FF2B5EF4-FFF2-40B4-BE49-F238E27FC236}">
-                <a16:creationId xmlns:a16="http://schemas.microsoft.com/office/drawing/2014/main" id="{D7570E1D-494E-8650-043B-98C644F35668}"/>
+                <a16:creationId xmlns:a16="http://schemas.microsoft.com/office/drawing/2014/main" id="{7A6ABD0D-BB42-0F98-2D75-26F3880F21B9}"/>
               </a:ext>
             </a:extLst>
           </p:cNvPr>
@@ -658,7 +658,7 @@
           <a:bodyPr/>
           <a:lstStyle/>
           <a:p>
-            <a:fld id="{4697ABCD-9A9E-4405-8583-911D83F02FDA}" type="datetimeFigureOut">
+            <a:fld id="{D0E1C6C9-4B62-4C09-8E9C-0D66AAB17EC3}" type="datetimeFigureOut">
               <a:rPr lang="zh-CN" altLang="en-US" smtClean="0"/>
               <a:t>2024/3/10</a:t>
             </a:fld>
@@ -671,7 +671,7 @@
           <p:cNvPr id="5" name="页脚占位符 4">
             <a:extLst>
               <a:ext uri="{FF2B5EF4-FFF2-40B4-BE49-F238E27FC236}">
-                <a16:creationId xmlns:a16="http://schemas.microsoft.com/office/drawing/2014/main" id="{7A84D380-D631-1AD9-3405-5E40C5FF5DF8}"/>
+                <a16:creationId xmlns:a16="http://schemas.microsoft.com/office/drawing/2014/main" id="{38BD188D-56A0-BEA7-605F-91B1A9114C44}"/>
               </a:ext>
             </a:extLst>
           </p:cNvPr>
@@ -696,7 +696,7 @@
           <p:cNvPr id="6" name="灯片编号占位符 5">
             <a:extLst>
               <a:ext uri="{FF2B5EF4-FFF2-40B4-BE49-F238E27FC236}">
-                <a16:creationId xmlns:a16="http://schemas.microsoft.com/office/drawing/2014/main" id="{999567B7-57E9-2E94-E77F-F2CC4D516468}"/>
+                <a16:creationId xmlns:a16="http://schemas.microsoft.com/office/drawing/2014/main" id="{41F28E0E-DAD7-0ED3-6C74-AAC42DF28B65}"/>
               </a:ext>
             </a:extLst>
           </p:cNvPr>
@@ -712,7 +712,7 @@
           <a:bodyPr/>
           <a:lstStyle/>
           <a:p>
-            <a:fld id="{C9D0DE11-9D85-486D-95B6-1DC05A4B2451}" type="slidenum">
+            <a:fld id="{3880B230-2E0D-451E-896F-7DDFEC7692EE}" type="slidenum">
               <a:rPr lang="zh-CN" altLang="en-US" smtClean="0"/>
               <a:t>‹#›</a:t>
             </a:fld>
@@ -723,7 +723,7 @@
     </p:spTree>
     <p:extLst>
       <p:ext uri="{BB962C8B-B14F-4D97-AF65-F5344CB8AC3E}">
-        <p14:creationId xmlns:p14="http://schemas.microsoft.com/office/powerpoint/2010/main" val="3245856180"/>
+        <p14:creationId xmlns:p14="http://schemas.microsoft.com/office/powerpoint/2010/main" val="702774099"/>
       </p:ext>
     </p:extLst>
   </p:cSld>
@@ -755,7 +755,7 @@
           <p:cNvPr id="2" name="标题 1">
             <a:extLst>
               <a:ext uri="{FF2B5EF4-FFF2-40B4-BE49-F238E27FC236}">
-                <a16:creationId xmlns:a16="http://schemas.microsoft.com/office/drawing/2014/main" id="{3A68D382-3151-394C-FC8A-126F2266D38D}"/>
+                <a16:creationId xmlns:a16="http://schemas.microsoft.com/office/drawing/2014/main" id="{8F281527-36D5-FDF5-5D29-F976689A5163}"/>
               </a:ext>
             </a:extLst>
           </p:cNvPr>
@@ -783,7 +783,7 @@
           <p:cNvPr id="3" name="内容占位符 2">
             <a:extLst>
               <a:ext uri="{FF2B5EF4-FFF2-40B4-BE49-F238E27FC236}">
-                <a16:creationId xmlns:a16="http://schemas.microsoft.com/office/drawing/2014/main" id="{14C46265-4883-967C-19B6-EB7C03BB28B9}"/>
+                <a16:creationId xmlns:a16="http://schemas.microsoft.com/office/drawing/2014/main" id="{8A20CC66-3C8D-3FF8-8172-3750E9C8DAA7}"/>
               </a:ext>
             </a:extLst>
           </p:cNvPr>
@@ -840,7 +840,7 @@
           <p:cNvPr id="4" name="日期占位符 3">
             <a:extLst>
               <a:ext uri="{FF2B5EF4-FFF2-40B4-BE49-F238E27FC236}">
-                <a16:creationId xmlns:a16="http://schemas.microsoft.com/office/drawing/2014/main" id="{20AF9D96-2B2E-72B3-175A-3DDDCDFF3351}"/>
+                <a16:creationId xmlns:a16="http://schemas.microsoft.com/office/drawing/2014/main" id="{DB62EB01-0792-24AD-7D55-FF8E618C5F81}"/>
               </a:ext>
             </a:extLst>
           </p:cNvPr>
@@ -856,7 +856,7 @@
           <a:bodyPr/>
           <a:lstStyle/>
           <a:p>
-            <a:fld id="{4697ABCD-9A9E-4405-8583-911D83F02FDA}" type="datetimeFigureOut">
+            <a:fld id="{D0E1C6C9-4B62-4C09-8E9C-0D66AAB17EC3}" type="datetimeFigureOut">
               <a:rPr lang="zh-CN" altLang="en-US" smtClean="0"/>
               <a:t>2024/3/10</a:t>
             </a:fld>
@@ -869,7 +869,7 @@
           <p:cNvPr id="5" name="页脚占位符 4">
             <a:extLst>
               <a:ext uri="{FF2B5EF4-FFF2-40B4-BE49-F238E27FC236}">
-                <a16:creationId xmlns:a16="http://schemas.microsoft.com/office/drawing/2014/main" id="{2C0E0524-F8ED-A126-99C5-97F88405207D}"/>
+                <a16:creationId xmlns:a16="http://schemas.microsoft.com/office/drawing/2014/main" id="{1EE21934-A271-649E-F68E-278B6D18B3BA}"/>
               </a:ext>
             </a:extLst>
           </p:cNvPr>
@@ -894,7 +894,7 @@
           <p:cNvPr id="6" name="灯片编号占位符 5">
             <a:extLst>
               <a:ext uri="{FF2B5EF4-FFF2-40B4-BE49-F238E27FC236}">
-                <a16:creationId xmlns:a16="http://schemas.microsoft.com/office/drawing/2014/main" id="{904E3079-235B-CDC5-CABA-6475C2FB4D0B}"/>
+                <a16:creationId xmlns:a16="http://schemas.microsoft.com/office/drawing/2014/main" id="{C8489D1B-9A19-EA9E-313F-C590E926FA30}"/>
               </a:ext>
             </a:extLst>
           </p:cNvPr>
@@ -910,7 +910,7 @@
           <a:bodyPr/>
           <a:lstStyle/>
           <a:p>
-            <a:fld id="{C9D0DE11-9D85-486D-95B6-1DC05A4B2451}" type="slidenum">
+            <a:fld id="{3880B230-2E0D-451E-896F-7DDFEC7692EE}" type="slidenum">
               <a:rPr lang="zh-CN" altLang="en-US" smtClean="0"/>
               <a:t>‹#›</a:t>
             </a:fld>
@@ -921,7 +921,7 @@
     </p:spTree>
     <p:extLst>
       <p:ext uri="{BB962C8B-B14F-4D97-AF65-F5344CB8AC3E}">
-        <p14:creationId xmlns:p14="http://schemas.microsoft.com/office/powerpoint/2010/main" val="2187477543"/>
+        <p14:creationId xmlns:p14="http://schemas.microsoft.com/office/powerpoint/2010/main" val="1644019187"/>
       </p:ext>
     </p:extLst>
   </p:cSld>
@@ -953,7 +953,7 @@
           <p:cNvPr id="2" name="标题 1">
             <a:extLst>
               <a:ext uri="{FF2B5EF4-FFF2-40B4-BE49-F238E27FC236}">
-                <a16:creationId xmlns:a16="http://schemas.microsoft.com/office/drawing/2014/main" id="{5E32280D-5FFA-9210-7625-2AE7ECEACB96}"/>
+                <a16:creationId xmlns:a16="http://schemas.microsoft.com/office/drawing/2014/main" id="{F04BC5FA-7A3E-F781-051F-9744152BFEE1}"/>
               </a:ext>
             </a:extLst>
           </p:cNvPr>
@@ -990,7 +990,7 @@
           <p:cNvPr id="3" name="文本占位符 2">
             <a:extLst>
               <a:ext uri="{FF2B5EF4-FFF2-40B4-BE49-F238E27FC236}">
-                <a16:creationId xmlns:a16="http://schemas.microsoft.com/office/drawing/2014/main" id="{552BD10B-FB9A-B193-9CAB-3563817CA8BC}"/>
+                <a16:creationId xmlns:a16="http://schemas.microsoft.com/office/drawing/2014/main" id="{70FC0EE9-2351-571A-B8FD-47891AD1D42D}"/>
               </a:ext>
             </a:extLst>
           </p:cNvPr>
@@ -1115,7 +1115,7 @@
           <p:cNvPr id="4" name="日期占位符 3">
             <a:extLst>
               <a:ext uri="{FF2B5EF4-FFF2-40B4-BE49-F238E27FC236}">
-                <a16:creationId xmlns:a16="http://schemas.microsoft.com/office/drawing/2014/main" id="{D0671024-E330-344F-21BC-C4B4FEEAB55F}"/>
+                <a16:creationId xmlns:a16="http://schemas.microsoft.com/office/drawing/2014/main" id="{A47C1A7C-4F83-B01B-6BE6-F3F9100A4DC6}"/>
               </a:ext>
             </a:extLst>
           </p:cNvPr>
@@ -1131,7 +1131,7 @@
           <a:bodyPr/>
           <a:lstStyle/>
           <a:p>
-            <a:fld id="{4697ABCD-9A9E-4405-8583-911D83F02FDA}" type="datetimeFigureOut">
+            <a:fld id="{D0E1C6C9-4B62-4C09-8E9C-0D66AAB17EC3}" type="datetimeFigureOut">
               <a:rPr lang="zh-CN" altLang="en-US" smtClean="0"/>
               <a:t>2024/3/10</a:t>
             </a:fld>
@@ -1144,7 +1144,7 @@
           <p:cNvPr id="5" name="页脚占位符 4">
             <a:extLst>
               <a:ext uri="{FF2B5EF4-FFF2-40B4-BE49-F238E27FC236}">
-                <a16:creationId xmlns:a16="http://schemas.microsoft.com/office/drawing/2014/main" id="{6EEB3DB9-99C7-9F9A-8811-4FCE19D46A32}"/>
+                <a16:creationId xmlns:a16="http://schemas.microsoft.com/office/drawing/2014/main" id="{A83BDF8B-37D3-1BCB-D69D-6B75CB9D9C36}"/>
               </a:ext>
             </a:extLst>
           </p:cNvPr>
@@ -1169,7 +1169,7 @@
           <p:cNvPr id="6" name="灯片编号占位符 5">
             <a:extLst>
               <a:ext uri="{FF2B5EF4-FFF2-40B4-BE49-F238E27FC236}">
-                <a16:creationId xmlns:a16="http://schemas.microsoft.com/office/drawing/2014/main" id="{501C58C3-647F-E5D8-1D88-EE9FE3247080}"/>
+                <a16:creationId xmlns:a16="http://schemas.microsoft.com/office/drawing/2014/main" id="{A8F37942-95CE-CF9D-BFB6-E60E8369CD96}"/>
               </a:ext>
             </a:extLst>
           </p:cNvPr>
@@ -1185,7 +1185,7 @@
           <a:bodyPr/>
           <a:lstStyle/>
           <a:p>
-            <a:fld id="{C9D0DE11-9D85-486D-95B6-1DC05A4B2451}" type="slidenum">
+            <a:fld id="{3880B230-2E0D-451E-896F-7DDFEC7692EE}" type="slidenum">
               <a:rPr lang="zh-CN" altLang="en-US" smtClean="0"/>
               <a:t>‹#›</a:t>
             </a:fld>
@@ -1196,7 +1196,7 @@
     </p:spTree>
     <p:extLst>
       <p:ext uri="{BB962C8B-B14F-4D97-AF65-F5344CB8AC3E}">
-        <p14:creationId xmlns:p14="http://schemas.microsoft.com/office/powerpoint/2010/main" val="2908493576"/>
+        <p14:creationId xmlns:p14="http://schemas.microsoft.com/office/powerpoint/2010/main" val="2368491059"/>
       </p:ext>
     </p:extLst>
   </p:cSld>
@@ -1228,7 +1228,7 @@
           <p:cNvPr id="2" name="标题 1">
             <a:extLst>
               <a:ext uri="{FF2B5EF4-FFF2-40B4-BE49-F238E27FC236}">
-                <a16:creationId xmlns:a16="http://schemas.microsoft.com/office/drawing/2014/main" id="{D0F1EF78-CDA7-911E-146C-8B6DEE56066D}"/>
+                <a16:creationId xmlns:a16="http://schemas.microsoft.com/office/drawing/2014/main" id="{826C8A47-394E-F3BB-010A-E348C4A04F07}"/>
               </a:ext>
             </a:extLst>
           </p:cNvPr>
@@ -1256,7 +1256,7 @@
           <p:cNvPr id="3" name="内容占位符 2">
             <a:extLst>
               <a:ext uri="{FF2B5EF4-FFF2-40B4-BE49-F238E27FC236}">
-                <a16:creationId xmlns:a16="http://schemas.microsoft.com/office/drawing/2014/main" id="{0F4FC6D2-4812-B331-1F6A-6F8F677C4639}"/>
+                <a16:creationId xmlns:a16="http://schemas.microsoft.com/office/drawing/2014/main" id="{D67E4EF8-7580-F889-8C0C-EC4185DC62C5}"/>
               </a:ext>
             </a:extLst>
           </p:cNvPr>
@@ -1318,7 +1318,7 @@
           <p:cNvPr id="4" name="内容占位符 3">
             <a:extLst>
               <a:ext uri="{FF2B5EF4-FFF2-40B4-BE49-F238E27FC236}">
-                <a16:creationId xmlns:a16="http://schemas.microsoft.com/office/drawing/2014/main" id="{E8C84F21-3AA7-9888-0DEB-B814078FBFC5}"/>
+                <a16:creationId xmlns:a16="http://schemas.microsoft.com/office/drawing/2014/main" id="{0847DE21-B635-7177-3A6D-8AC62BABF522}"/>
               </a:ext>
             </a:extLst>
           </p:cNvPr>
@@ -1380,7 +1380,7 @@
           <p:cNvPr id="5" name="日期占位符 4">
             <a:extLst>
               <a:ext uri="{FF2B5EF4-FFF2-40B4-BE49-F238E27FC236}">
-                <a16:creationId xmlns:a16="http://schemas.microsoft.com/office/drawing/2014/main" id="{F5F42F52-9E29-7F78-A1A8-C99F5686C2DE}"/>
+                <a16:creationId xmlns:a16="http://schemas.microsoft.com/office/drawing/2014/main" id="{F56ECB3E-6E7F-D4F9-63EF-FE6BE688B6D6}"/>
               </a:ext>
             </a:extLst>
           </p:cNvPr>
@@ -1396,7 +1396,7 @@
           <a:bodyPr/>
           <a:lstStyle/>
           <a:p>
-            <a:fld id="{4697ABCD-9A9E-4405-8583-911D83F02FDA}" type="datetimeFigureOut">
+            <a:fld id="{D0E1C6C9-4B62-4C09-8E9C-0D66AAB17EC3}" type="datetimeFigureOut">
               <a:rPr lang="zh-CN" altLang="en-US" smtClean="0"/>
               <a:t>2024/3/10</a:t>
             </a:fld>
@@ -1409,7 +1409,7 @@
           <p:cNvPr id="6" name="页脚占位符 5">
             <a:extLst>
               <a:ext uri="{FF2B5EF4-FFF2-40B4-BE49-F238E27FC236}">
-                <a16:creationId xmlns:a16="http://schemas.microsoft.com/office/drawing/2014/main" id="{E1A5123C-3658-1AAB-5233-DA8E75D0568D}"/>
+                <a16:creationId xmlns:a16="http://schemas.microsoft.com/office/drawing/2014/main" id="{97C4F690-FBAE-FFE4-3FFA-0847C5B336EC}"/>
               </a:ext>
             </a:extLst>
           </p:cNvPr>
@@ -1434,7 +1434,7 @@
           <p:cNvPr id="7" name="灯片编号占位符 6">
             <a:extLst>
               <a:ext uri="{FF2B5EF4-FFF2-40B4-BE49-F238E27FC236}">
-                <a16:creationId xmlns:a16="http://schemas.microsoft.com/office/drawing/2014/main" id="{D89FACDA-143D-11AB-D704-DE83015AFEE0}"/>
+                <a16:creationId xmlns:a16="http://schemas.microsoft.com/office/drawing/2014/main" id="{BE815A4C-9341-EA3E-2689-954E1AF7E219}"/>
               </a:ext>
             </a:extLst>
           </p:cNvPr>
@@ -1450,7 +1450,7 @@
           <a:bodyPr/>
           <a:lstStyle/>
           <a:p>
-            <a:fld id="{C9D0DE11-9D85-486D-95B6-1DC05A4B2451}" type="slidenum">
+            <a:fld id="{3880B230-2E0D-451E-896F-7DDFEC7692EE}" type="slidenum">
               <a:rPr lang="zh-CN" altLang="en-US" smtClean="0"/>
               <a:t>‹#›</a:t>
             </a:fld>
@@ -1461,7 +1461,7 @@
     </p:spTree>
     <p:extLst>
       <p:ext uri="{BB962C8B-B14F-4D97-AF65-F5344CB8AC3E}">
-        <p14:creationId xmlns:p14="http://schemas.microsoft.com/office/powerpoint/2010/main" val="2635421153"/>
+        <p14:creationId xmlns:p14="http://schemas.microsoft.com/office/powerpoint/2010/main" val="2722219632"/>
       </p:ext>
     </p:extLst>
   </p:cSld>
@@ -1493,7 +1493,7 @@
           <p:cNvPr id="2" name="标题 1">
             <a:extLst>
               <a:ext uri="{FF2B5EF4-FFF2-40B4-BE49-F238E27FC236}">
-                <a16:creationId xmlns:a16="http://schemas.microsoft.com/office/drawing/2014/main" id="{721A7F57-6A82-1A27-E033-15BA6D7D4310}"/>
+                <a16:creationId xmlns:a16="http://schemas.microsoft.com/office/drawing/2014/main" id="{75D270A1-E04C-D1B7-822B-D052F2A0A919}"/>
               </a:ext>
             </a:extLst>
           </p:cNvPr>
@@ -1526,7 +1526,7 @@
           <p:cNvPr id="3" name="文本占位符 2">
             <a:extLst>
               <a:ext uri="{FF2B5EF4-FFF2-40B4-BE49-F238E27FC236}">
-                <a16:creationId xmlns:a16="http://schemas.microsoft.com/office/drawing/2014/main" id="{3873BBFE-BC49-ACBA-7665-0AC704B0CA2E}"/>
+                <a16:creationId xmlns:a16="http://schemas.microsoft.com/office/drawing/2014/main" id="{763D1D07-E122-3587-BE98-8FCD8D36F5C7}"/>
               </a:ext>
             </a:extLst>
           </p:cNvPr>
@@ -1597,7 +1597,7 @@
           <p:cNvPr id="4" name="内容占位符 3">
             <a:extLst>
               <a:ext uri="{FF2B5EF4-FFF2-40B4-BE49-F238E27FC236}">
-                <a16:creationId xmlns:a16="http://schemas.microsoft.com/office/drawing/2014/main" id="{BE6B024E-6EE9-9E70-9B24-2FD19E238C57}"/>
+                <a16:creationId xmlns:a16="http://schemas.microsoft.com/office/drawing/2014/main" id="{B6838B62-9ECC-4443-FE4F-EE4E30BA724E}"/>
               </a:ext>
             </a:extLst>
           </p:cNvPr>
@@ -1659,7 +1659,7 @@
           <p:cNvPr id="5" name="文本占位符 4">
             <a:extLst>
               <a:ext uri="{FF2B5EF4-FFF2-40B4-BE49-F238E27FC236}">
-                <a16:creationId xmlns:a16="http://schemas.microsoft.com/office/drawing/2014/main" id="{2625E81D-1020-2B1D-07E6-54CF435704A7}"/>
+                <a16:creationId xmlns:a16="http://schemas.microsoft.com/office/drawing/2014/main" id="{6E78B406-EA82-215B-E0C7-4394C410093B}"/>
               </a:ext>
             </a:extLst>
           </p:cNvPr>
@@ -1730,7 +1730,7 @@
           <p:cNvPr id="6" name="内容占位符 5">
             <a:extLst>
               <a:ext uri="{FF2B5EF4-FFF2-40B4-BE49-F238E27FC236}">
-                <a16:creationId xmlns:a16="http://schemas.microsoft.com/office/drawing/2014/main" id="{773EDEBE-4B07-11EB-DB2B-FF503EF5EB09}"/>
+                <a16:creationId xmlns:a16="http://schemas.microsoft.com/office/drawing/2014/main" id="{FFCA6483-CF9D-DC4E-7503-534924FBA952}"/>
               </a:ext>
             </a:extLst>
           </p:cNvPr>
@@ -1792,7 +1792,7 @@
           <p:cNvPr id="7" name="日期占位符 6">
             <a:extLst>
               <a:ext uri="{FF2B5EF4-FFF2-40B4-BE49-F238E27FC236}">
-                <a16:creationId xmlns:a16="http://schemas.microsoft.com/office/drawing/2014/main" id="{DF2DFB26-E48D-07F7-49BE-D2C265D147DA}"/>
+                <a16:creationId xmlns:a16="http://schemas.microsoft.com/office/drawing/2014/main" id="{9A5F7D8F-5F77-CC09-8CA1-F127E7CDADB1}"/>
               </a:ext>
             </a:extLst>
           </p:cNvPr>
@@ -1808,7 +1808,7 @@
           <a:bodyPr/>
           <a:lstStyle/>
           <a:p>
-            <a:fld id="{4697ABCD-9A9E-4405-8583-911D83F02FDA}" type="datetimeFigureOut">
+            <a:fld id="{D0E1C6C9-4B62-4C09-8E9C-0D66AAB17EC3}" type="datetimeFigureOut">
               <a:rPr lang="zh-CN" altLang="en-US" smtClean="0"/>
               <a:t>2024/3/10</a:t>
             </a:fld>
@@ -1821,7 +1821,7 @@
           <p:cNvPr id="8" name="页脚占位符 7">
             <a:extLst>
               <a:ext uri="{FF2B5EF4-FFF2-40B4-BE49-F238E27FC236}">
-                <a16:creationId xmlns:a16="http://schemas.microsoft.com/office/drawing/2014/main" id="{E28B037C-962E-A832-D7EE-78B319C9D98E}"/>
+                <a16:creationId xmlns:a16="http://schemas.microsoft.com/office/drawing/2014/main" id="{238BCB51-D4D2-2F86-A162-C3D9CDE9FE3F}"/>
               </a:ext>
             </a:extLst>
           </p:cNvPr>
@@ -1846,7 +1846,7 @@
           <p:cNvPr id="9" name="灯片编号占位符 8">
             <a:extLst>
               <a:ext uri="{FF2B5EF4-FFF2-40B4-BE49-F238E27FC236}">
-                <a16:creationId xmlns:a16="http://schemas.microsoft.com/office/drawing/2014/main" id="{6609C7FB-1F99-53E3-027B-B7148D85DC68}"/>
+                <a16:creationId xmlns:a16="http://schemas.microsoft.com/office/drawing/2014/main" id="{AFF527A8-1AD0-B17A-921C-ACD045022900}"/>
               </a:ext>
             </a:extLst>
           </p:cNvPr>
@@ -1862,7 +1862,7 @@
           <a:bodyPr/>
           <a:lstStyle/>
           <a:p>
-            <a:fld id="{C9D0DE11-9D85-486D-95B6-1DC05A4B2451}" type="slidenum">
+            <a:fld id="{3880B230-2E0D-451E-896F-7DDFEC7692EE}" type="slidenum">
               <a:rPr lang="zh-CN" altLang="en-US" smtClean="0"/>
               <a:t>‹#›</a:t>
             </a:fld>
@@ -1873,7 +1873,7 @@
     </p:spTree>
     <p:extLst>
       <p:ext uri="{BB962C8B-B14F-4D97-AF65-F5344CB8AC3E}">
-        <p14:creationId xmlns:p14="http://schemas.microsoft.com/office/powerpoint/2010/main" val="62215173"/>
+        <p14:creationId xmlns:p14="http://schemas.microsoft.com/office/powerpoint/2010/main" val="916423430"/>
       </p:ext>
     </p:extLst>
   </p:cSld>
@@ -1905,7 +1905,7 @@
           <p:cNvPr id="2" name="标题 1">
             <a:extLst>
               <a:ext uri="{FF2B5EF4-FFF2-40B4-BE49-F238E27FC236}">
-                <a16:creationId xmlns:a16="http://schemas.microsoft.com/office/drawing/2014/main" id="{B9252941-6AAC-AEEC-0978-9D6A0E1AF750}"/>
+                <a16:creationId xmlns:a16="http://schemas.microsoft.com/office/drawing/2014/main" id="{B1EFACB1-BF87-8A58-9410-297B961C8901}"/>
               </a:ext>
             </a:extLst>
           </p:cNvPr>
@@ -1933,7 +1933,7 @@
           <p:cNvPr id="3" name="日期占位符 2">
             <a:extLst>
               <a:ext uri="{FF2B5EF4-FFF2-40B4-BE49-F238E27FC236}">
-                <a16:creationId xmlns:a16="http://schemas.microsoft.com/office/drawing/2014/main" id="{97A4E212-794B-CAE0-BD03-CB72576C15E9}"/>
+                <a16:creationId xmlns:a16="http://schemas.microsoft.com/office/drawing/2014/main" id="{203C884B-66B0-A43D-253D-81649CE3D0AF}"/>
               </a:ext>
             </a:extLst>
           </p:cNvPr>
@@ -1949,7 +1949,7 @@
           <a:bodyPr/>
           <a:lstStyle/>
           <a:p>
-            <a:fld id="{4697ABCD-9A9E-4405-8583-911D83F02FDA}" type="datetimeFigureOut">
+            <a:fld id="{D0E1C6C9-4B62-4C09-8E9C-0D66AAB17EC3}" type="datetimeFigureOut">
               <a:rPr lang="zh-CN" altLang="en-US" smtClean="0"/>
               <a:t>2024/3/10</a:t>
             </a:fld>
@@ -1962,7 +1962,7 @@
           <p:cNvPr id="4" name="页脚占位符 3">
             <a:extLst>
               <a:ext uri="{FF2B5EF4-FFF2-40B4-BE49-F238E27FC236}">
-                <a16:creationId xmlns:a16="http://schemas.microsoft.com/office/drawing/2014/main" id="{C9BABC7D-FB1A-2859-7D72-FB9FE82F101C}"/>
+                <a16:creationId xmlns:a16="http://schemas.microsoft.com/office/drawing/2014/main" id="{3361E991-6A86-D628-4993-D529A0C3A6A7}"/>
               </a:ext>
             </a:extLst>
           </p:cNvPr>
@@ -1987,7 +1987,7 @@
           <p:cNvPr id="5" name="灯片编号占位符 4">
             <a:extLst>
               <a:ext uri="{FF2B5EF4-FFF2-40B4-BE49-F238E27FC236}">
-                <a16:creationId xmlns:a16="http://schemas.microsoft.com/office/drawing/2014/main" id="{7F6E5D3B-3F63-FDE8-946B-3276748DE042}"/>
+                <a16:creationId xmlns:a16="http://schemas.microsoft.com/office/drawing/2014/main" id="{F409BC10-813A-66BD-4DEA-6B57EDA726BA}"/>
               </a:ext>
             </a:extLst>
           </p:cNvPr>
@@ -2003,7 +2003,7 @@
           <a:bodyPr/>
           <a:lstStyle/>
           <a:p>
-            <a:fld id="{C9D0DE11-9D85-486D-95B6-1DC05A4B2451}" type="slidenum">
+            <a:fld id="{3880B230-2E0D-451E-896F-7DDFEC7692EE}" type="slidenum">
               <a:rPr lang="zh-CN" altLang="en-US" smtClean="0"/>
               <a:t>‹#›</a:t>
             </a:fld>
@@ -2014,7 +2014,7 @@
     </p:spTree>
     <p:extLst>
       <p:ext uri="{BB962C8B-B14F-4D97-AF65-F5344CB8AC3E}">
-        <p14:creationId xmlns:p14="http://schemas.microsoft.com/office/powerpoint/2010/main" val="1993271741"/>
+        <p14:creationId xmlns:p14="http://schemas.microsoft.com/office/powerpoint/2010/main" val="1626675076"/>
       </p:ext>
     </p:extLst>
   </p:cSld>
@@ -2046,7 +2046,7 @@
           <p:cNvPr id="2" name="日期占位符 1">
             <a:extLst>
               <a:ext uri="{FF2B5EF4-FFF2-40B4-BE49-F238E27FC236}">
-                <a16:creationId xmlns:a16="http://schemas.microsoft.com/office/drawing/2014/main" id="{ECE33538-B2FD-24A7-9983-1744281FDD29}"/>
+                <a16:creationId xmlns:a16="http://schemas.microsoft.com/office/drawing/2014/main" id="{5E5A27E3-7FF2-6332-233A-CE48AA015517}"/>
               </a:ext>
             </a:extLst>
           </p:cNvPr>
@@ -2062,7 +2062,7 @@
           <a:bodyPr/>
           <a:lstStyle/>
           <a:p>
-            <a:fld id="{4697ABCD-9A9E-4405-8583-911D83F02FDA}" type="datetimeFigureOut">
+            <a:fld id="{D0E1C6C9-4B62-4C09-8E9C-0D66AAB17EC3}" type="datetimeFigureOut">
               <a:rPr lang="zh-CN" altLang="en-US" smtClean="0"/>
               <a:t>2024/3/10</a:t>
             </a:fld>
@@ -2075,7 +2075,7 @@
           <p:cNvPr id="3" name="页脚占位符 2">
             <a:extLst>
               <a:ext uri="{FF2B5EF4-FFF2-40B4-BE49-F238E27FC236}">
-                <a16:creationId xmlns:a16="http://schemas.microsoft.com/office/drawing/2014/main" id="{81B65109-AE48-6628-F50D-B8C53891276D}"/>
+                <a16:creationId xmlns:a16="http://schemas.microsoft.com/office/drawing/2014/main" id="{1279580A-C29E-C220-B5D3-CB43949BBF91}"/>
               </a:ext>
             </a:extLst>
           </p:cNvPr>
@@ -2100,7 +2100,7 @@
           <p:cNvPr id="4" name="灯片编号占位符 3">
             <a:extLst>
               <a:ext uri="{FF2B5EF4-FFF2-40B4-BE49-F238E27FC236}">
-                <a16:creationId xmlns:a16="http://schemas.microsoft.com/office/drawing/2014/main" id="{51634DA9-2AB6-C227-99AB-29D4D8DC99B2}"/>
+                <a16:creationId xmlns:a16="http://schemas.microsoft.com/office/drawing/2014/main" id="{0E43F822-581E-C753-ECB3-DC787DFDF1E6}"/>
               </a:ext>
             </a:extLst>
           </p:cNvPr>
@@ -2116,7 +2116,7 @@
           <a:bodyPr/>
           <a:lstStyle/>
           <a:p>
-            <a:fld id="{C9D0DE11-9D85-486D-95B6-1DC05A4B2451}" type="slidenum">
+            <a:fld id="{3880B230-2E0D-451E-896F-7DDFEC7692EE}" type="slidenum">
               <a:rPr lang="zh-CN" altLang="en-US" smtClean="0"/>
               <a:t>‹#›</a:t>
             </a:fld>
@@ -2127,7 +2127,7 @@
     </p:spTree>
     <p:extLst>
       <p:ext uri="{BB962C8B-B14F-4D97-AF65-F5344CB8AC3E}">
-        <p14:creationId xmlns:p14="http://schemas.microsoft.com/office/powerpoint/2010/main" val="3466502106"/>
+        <p14:creationId xmlns:p14="http://schemas.microsoft.com/office/powerpoint/2010/main" val="2985416246"/>
       </p:ext>
     </p:extLst>
   </p:cSld>
@@ -2159,7 +2159,7 @@
           <p:cNvPr id="2" name="标题 1">
             <a:extLst>
               <a:ext uri="{FF2B5EF4-FFF2-40B4-BE49-F238E27FC236}">
-                <a16:creationId xmlns:a16="http://schemas.microsoft.com/office/drawing/2014/main" id="{4E006E38-15A7-D54D-498C-223D58F6B978}"/>
+                <a16:creationId xmlns:a16="http://schemas.microsoft.com/office/drawing/2014/main" id="{F2446B62-B985-1800-C26B-087A9A7C7614}"/>
               </a:ext>
             </a:extLst>
           </p:cNvPr>
@@ -2196,7 +2196,7 @@
           <p:cNvPr id="3" name="内容占位符 2">
             <a:extLst>
               <a:ext uri="{FF2B5EF4-FFF2-40B4-BE49-F238E27FC236}">
-                <a16:creationId xmlns:a16="http://schemas.microsoft.com/office/drawing/2014/main" id="{7FBFD0C7-5D5E-90F4-FBA2-6C1F05BFBA57}"/>
+                <a16:creationId xmlns:a16="http://schemas.microsoft.com/office/drawing/2014/main" id="{9ACD0E97-7604-DBA6-B8AA-6287B3151342}"/>
               </a:ext>
             </a:extLst>
           </p:cNvPr>
@@ -2286,7 +2286,7 @@
           <p:cNvPr id="4" name="文本占位符 3">
             <a:extLst>
               <a:ext uri="{FF2B5EF4-FFF2-40B4-BE49-F238E27FC236}">
-                <a16:creationId xmlns:a16="http://schemas.microsoft.com/office/drawing/2014/main" id="{FB841C98-5A49-8C46-46D8-350FA4B65604}"/>
+                <a16:creationId xmlns:a16="http://schemas.microsoft.com/office/drawing/2014/main" id="{4FEE69A9-A0B9-80D6-0306-A41F32C03FFA}"/>
               </a:ext>
             </a:extLst>
           </p:cNvPr>
@@ -2357,7 +2357,7 @@
           <p:cNvPr id="5" name="日期占位符 4">
             <a:extLst>
               <a:ext uri="{FF2B5EF4-FFF2-40B4-BE49-F238E27FC236}">
-                <a16:creationId xmlns:a16="http://schemas.microsoft.com/office/drawing/2014/main" id="{F2BF3CB4-680C-FC44-157F-C1C003FD72E7}"/>
+                <a16:creationId xmlns:a16="http://schemas.microsoft.com/office/drawing/2014/main" id="{8AFC585D-5B6F-9624-F3DE-0CE31B2CF7A4}"/>
               </a:ext>
             </a:extLst>
           </p:cNvPr>
@@ -2373,7 +2373,7 @@
           <a:bodyPr/>
           <a:lstStyle/>
           <a:p>
-            <a:fld id="{4697ABCD-9A9E-4405-8583-911D83F02FDA}" type="datetimeFigureOut">
+            <a:fld id="{D0E1C6C9-4B62-4C09-8E9C-0D66AAB17EC3}" type="datetimeFigureOut">
               <a:rPr lang="zh-CN" altLang="en-US" smtClean="0"/>
               <a:t>2024/3/10</a:t>
             </a:fld>
@@ -2386,7 +2386,7 @@
           <p:cNvPr id="6" name="页脚占位符 5">
             <a:extLst>
               <a:ext uri="{FF2B5EF4-FFF2-40B4-BE49-F238E27FC236}">
-                <a16:creationId xmlns:a16="http://schemas.microsoft.com/office/drawing/2014/main" id="{E3EC283C-46A1-B11A-9BF9-CEB7C2854011}"/>
+                <a16:creationId xmlns:a16="http://schemas.microsoft.com/office/drawing/2014/main" id="{FA7EAB90-44DE-1CC0-AA29-CCC41FE16B6D}"/>
               </a:ext>
             </a:extLst>
           </p:cNvPr>
@@ -2411,7 +2411,7 @@
           <p:cNvPr id="7" name="灯片编号占位符 6">
             <a:extLst>
               <a:ext uri="{FF2B5EF4-FFF2-40B4-BE49-F238E27FC236}">
-                <a16:creationId xmlns:a16="http://schemas.microsoft.com/office/drawing/2014/main" id="{41E66137-7033-7CBF-A507-0E3A8BB7EA15}"/>
+                <a16:creationId xmlns:a16="http://schemas.microsoft.com/office/drawing/2014/main" id="{F00FC761-4D28-5129-74B3-911E9761A4A2}"/>
               </a:ext>
             </a:extLst>
           </p:cNvPr>
@@ -2427,7 +2427,7 @@
           <a:bodyPr/>
           <a:lstStyle/>
           <a:p>
-            <a:fld id="{C9D0DE11-9D85-486D-95B6-1DC05A4B2451}" type="slidenum">
+            <a:fld id="{3880B230-2E0D-451E-896F-7DDFEC7692EE}" type="slidenum">
               <a:rPr lang="zh-CN" altLang="en-US" smtClean="0"/>
               <a:t>‹#›</a:t>
             </a:fld>
@@ -2438,7 +2438,7 @@
     </p:spTree>
     <p:extLst>
       <p:ext uri="{BB962C8B-B14F-4D97-AF65-F5344CB8AC3E}">
-        <p14:creationId xmlns:p14="http://schemas.microsoft.com/office/powerpoint/2010/main" val="1814115134"/>
+        <p14:creationId xmlns:p14="http://schemas.microsoft.com/office/powerpoint/2010/main" val="1117948476"/>
       </p:ext>
     </p:extLst>
   </p:cSld>
@@ -2470,7 +2470,7 @@
           <p:cNvPr id="2" name="标题 1">
             <a:extLst>
               <a:ext uri="{FF2B5EF4-FFF2-40B4-BE49-F238E27FC236}">
-                <a16:creationId xmlns:a16="http://schemas.microsoft.com/office/drawing/2014/main" id="{7E1E61D8-7A51-EBA6-EFB0-31EEEC5F8B41}"/>
+                <a16:creationId xmlns:a16="http://schemas.microsoft.com/office/drawing/2014/main" id="{D6CCEF7F-79A9-4BED-57CD-D287573ECA74}"/>
               </a:ext>
             </a:extLst>
           </p:cNvPr>
@@ -2507,7 +2507,7 @@
           <p:cNvPr id="3" name="图片占位符 2">
             <a:extLst>
               <a:ext uri="{FF2B5EF4-FFF2-40B4-BE49-F238E27FC236}">
-                <a16:creationId xmlns:a16="http://schemas.microsoft.com/office/drawing/2014/main" id="{E5EAF634-0992-46D8-0E9C-D79E7CA1FDD6}"/>
+                <a16:creationId xmlns:a16="http://schemas.microsoft.com/office/drawing/2014/main" id="{03E713C5-95D1-C669-62C6-94B2CB4D4AB4}"/>
               </a:ext>
             </a:extLst>
           </p:cNvPr>
@@ -2574,7 +2574,7 @@
           <p:cNvPr id="4" name="文本占位符 3">
             <a:extLst>
               <a:ext uri="{FF2B5EF4-FFF2-40B4-BE49-F238E27FC236}">
-                <a16:creationId xmlns:a16="http://schemas.microsoft.com/office/drawing/2014/main" id="{2BF79E62-3577-5661-D762-F1ED41967BC2}"/>
+                <a16:creationId xmlns:a16="http://schemas.microsoft.com/office/drawing/2014/main" id="{318DBBC7-6A38-28C0-9BFE-B587531DF3FC}"/>
               </a:ext>
             </a:extLst>
           </p:cNvPr>
@@ -2645,7 +2645,7 @@
           <p:cNvPr id="5" name="日期占位符 4">
             <a:extLst>
               <a:ext uri="{FF2B5EF4-FFF2-40B4-BE49-F238E27FC236}">
-                <a16:creationId xmlns:a16="http://schemas.microsoft.com/office/drawing/2014/main" id="{67A05AF6-1255-F760-B0D0-845A776675B8}"/>
+                <a16:creationId xmlns:a16="http://schemas.microsoft.com/office/drawing/2014/main" id="{E832D7D2-7B21-1174-1FD5-6D7ABC4D0D45}"/>
               </a:ext>
             </a:extLst>
           </p:cNvPr>
@@ -2661,7 +2661,7 @@
           <a:bodyPr/>
           <a:lstStyle/>
           <a:p>
-            <a:fld id="{4697ABCD-9A9E-4405-8583-911D83F02FDA}" type="datetimeFigureOut">
+            <a:fld id="{D0E1C6C9-4B62-4C09-8E9C-0D66AAB17EC3}" type="datetimeFigureOut">
               <a:rPr lang="zh-CN" altLang="en-US" smtClean="0"/>
               <a:t>2024/3/10</a:t>
             </a:fld>
@@ -2674,7 +2674,7 @@
           <p:cNvPr id="6" name="页脚占位符 5">
             <a:extLst>
               <a:ext uri="{FF2B5EF4-FFF2-40B4-BE49-F238E27FC236}">
-                <a16:creationId xmlns:a16="http://schemas.microsoft.com/office/drawing/2014/main" id="{800918E8-D6B0-8DCA-3AC3-0AA7D9A95477}"/>
+                <a16:creationId xmlns:a16="http://schemas.microsoft.com/office/drawing/2014/main" id="{B0F4E59E-306E-A63D-5895-C697A7464418}"/>
               </a:ext>
             </a:extLst>
           </p:cNvPr>
@@ -2699,7 +2699,7 @@
           <p:cNvPr id="7" name="灯片编号占位符 6">
             <a:extLst>
               <a:ext uri="{FF2B5EF4-FFF2-40B4-BE49-F238E27FC236}">
-                <a16:creationId xmlns:a16="http://schemas.microsoft.com/office/drawing/2014/main" id="{4333E199-BC58-963C-6B07-AAABA411D3F9}"/>
+                <a16:creationId xmlns:a16="http://schemas.microsoft.com/office/drawing/2014/main" id="{DFAB1846-2B5D-1380-5E48-CB8807444AE9}"/>
               </a:ext>
             </a:extLst>
           </p:cNvPr>
@@ -2715,7 +2715,7 @@
           <a:bodyPr/>
           <a:lstStyle/>
           <a:p>
-            <a:fld id="{C9D0DE11-9D85-486D-95B6-1DC05A4B2451}" type="slidenum">
+            <a:fld id="{3880B230-2E0D-451E-896F-7DDFEC7692EE}" type="slidenum">
               <a:rPr lang="zh-CN" altLang="en-US" smtClean="0"/>
               <a:t>‹#›</a:t>
             </a:fld>
@@ -2726,7 +2726,7 @@
     </p:spTree>
     <p:extLst>
       <p:ext uri="{BB962C8B-B14F-4D97-AF65-F5344CB8AC3E}">
-        <p14:creationId xmlns:p14="http://schemas.microsoft.com/office/powerpoint/2010/main" val="2000467242"/>
+        <p14:creationId xmlns:p14="http://schemas.microsoft.com/office/powerpoint/2010/main" val="4182030958"/>
       </p:ext>
     </p:extLst>
   </p:cSld>
@@ -2763,7 +2763,7 @@
           <p:cNvPr id="2" name="标题占位符 1">
             <a:extLst>
               <a:ext uri="{FF2B5EF4-FFF2-40B4-BE49-F238E27FC236}">
-                <a16:creationId xmlns:a16="http://schemas.microsoft.com/office/drawing/2014/main" id="{B7F70E24-451E-82BB-507A-B0107EC9A12C}"/>
+                <a16:creationId xmlns:a16="http://schemas.microsoft.com/office/drawing/2014/main" id="{72CA9EF4-1944-B918-4E24-62DE47FDCF33}"/>
               </a:ext>
             </a:extLst>
           </p:cNvPr>
@@ -2801,7 +2801,7 @@
           <p:cNvPr id="3" name="文本占位符 2">
             <a:extLst>
               <a:ext uri="{FF2B5EF4-FFF2-40B4-BE49-F238E27FC236}">
-                <a16:creationId xmlns:a16="http://schemas.microsoft.com/office/drawing/2014/main" id="{E305F2B2-D587-CB5C-C4AE-A28A2164D2AA}"/>
+                <a16:creationId xmlns:a16="http://schemas.microsoft.com/office/drawing/2014/main" id="{8743ECD2-DB36-8B2C-9A6E-C53442B3399F}"/>
               </a:ext>
             </a:extLst>
           </p:cNvPr>
@@ -2868,7 +2868,7 @@
           <p:cNvPr id="4" name="日期占位符 3">
             <a:extLst>
               <a:ext uri="{FF2B5EF4-FFF2-40B4-BE49-F238E27FC236}">
-                <a16:creationId xmlns:a16="http://schemas.microsoft.com/office/drawing/2014/main" id="{1CFEB6E2-9A2F-71E2-98B9-16B16A8E4D87}"/>
+                <a16:creationId xmlns:a16="http://schemas.microsoft.com/office/drawing/2014/main" id="{FFE18DA5-784B-5B2A-31D1-C0B7CDB0AF4D}"/>
               </a:ext>
             </a:extLst>
           </p:cNvPr>
@@ -2902,7 +2902,7 @@
             </a:lvl1pPr>
           </a:lstStyle>
           <a:p>
-            <a:fld id="{4697ABCD-9A9E-4405-8583-911D83F02FDA}" type="datetimeFigureOut">
+            <a:fld id="{D0E1C6C9-4B62-4C09-8E9C-0D66AAB17EC3}" type="datetimeFigureOut">
               <a:rPr lang="zh-CN" altLang="en-US" smtClean="0"/>
               <a:t>2024/3/10</a:t>
             </a:fld>
@@ -2915,7 +2915,7 @@
           <p:cNvPr id="5" name="页脚占位符 4">
             <a:extLst>
               <a:ext uri="{FF2B5EF4-FFF2-40B4-BE49-F238E27FC236}">
-                <a16:creationId xmlns:a16="http://schemas.microsoft.com/office/drawing/2014/main" id="{ED9FE3B6-508F-C059-EF5B-0FCFC5B69EAC}"/>
+                <a16:creationId xmlns:a16="http://schemas.microsoft.com/office/drawing/2014/main" id="{B2289938-250E-A8B1-7C7F-F2857D2D85E0}"/>
               </a:ext>
             </a:extLst>
           </p:cNvPr>
@@ -2958,7 +2958,7 @@
           <p:cNvPr id="6" name="灯片编号占位符 5">
             <a:extLst>
               <a:ext uri="{FF2B5EF4-FFF2-40B4-BE49-F238E27FC236}">
-                <a16:creationId xmlns:a16="http://schemas.microsoft.com/office/drawing/2014/main" id="{32EDB072-F311-0E62-A029-76052E05D430}"/>
+                <a16:creationId xmlns:a16="http://schemas.microsoft.com/office/drawing/2014/main" id="{123B436D-160D-9353-EE21-3B2F956A1D5B}"/>
               </a:ext>
             </a:extLst>
           </p:cNvPr>
@@ -2992,7 +2992,7 @@
             </a:lvl1pPr>
           </a:lstStyle>
           <a:p>
-            <a:fld id="{C9D0DE11-9D85-486D-95B6-1DC05A4B2451}" type="slidenum">
+            <a:fld id="{3880B230-2E0D-451E-896F-7DDFEC7692EE}" type="slidenum">
               <a:rPr lang="zh-CN" altLang="en-US" smtClean="0"/>
               <a:t>‹#›</a:t>
             </a:fld>
@@ -3003,7 +3003,7 @@
     </p:spTree>
     <p:extLst>
       <p:ext uri="{BB962C8B-B14F-4D97-AF65-F5344CB8AC3E}">
-        <p14:creationId xmlns:p14="http://schemas.microsoft.com/office/powerpoint/2010/main" val="639870891"/>
+        <p14:creationId xmlns:p14="http://schemas.microsoft.com/office/powerpoint/2010/main" val="173751985"/>
       </p:ext>
     </p:extLst>
   </p:cSld>
